--- a/AED_Project/FinalProjectMain/HEALTH SAFETY REPORT.pptx
+++ b/AED_Project/FinalProjectMain/HEALTH SAFETY REPORT.pptx
@@ -5,10 +5,10 @@
     <p:sldMasterId id="2147483708" r:id="rId2"/>
   </p:sldMasterIdLst>
   <p:notesMasterIdLst>
-    <p:notesMasterId r:id="rId13"/>
+    <p:notesMasterId r:id="rId16"/>
   </p:notesMasterIdLst>
   <p:handoutMasterIdLst>
-    <p:handoutMasterId r:id="rId14"/>
+    <p:handoutMasterId r:id="rId17"/>
   </p:handoutMasterIdLst>
   <p:sldIdLst>
     <p:sldId id="257" r:id="rId3"/>
@@ -20,7 +20,10 @@
     <p:sldId id="263" r:id="rId9"/>
     <p:sldId id="264" r:id="rId10"/>
     <p:sldId id="265" r:id="rId11"/>
-    <p:sldId id="266" r:id="rId12"/>
+    <p:sldId id="267" r:id="rId12"/>
+    <p:sldId id="268" r:id="rId13"/>
+    <p:sldId id="269" r:id="rId14"/>
+    <p:sldId id="266" r:id="rId15"/>
   </p:sldIdLst>
   <p:sldSz cx="12192000" cy="6858000"/>
   <p:notesSz cx="6858000" cy="9144000"/>
@@ -212,7 +215,7 @@
           <a:p>
             <a:fld id="{E4560B6B-963E-45AD-B18D-9DA3469D83C9}" type="datetimeFigureOut">
               <a:rPr lang="en-US" smtClean="0"/>
-              <a:t>12/9/2015</a:t>
+              <a:t>12/10/2015</a:t>
             </a:fld>
             <a:endParaRPr lang="en-US"/>
           </a:p>
@@ -377,7 +380,7 @@
           <a:p>
             <a:fld id="{428D2A0D-6B45-4215-8A49-D14849101A69}" type="datetimeFigureOut">
               <a:rPr lang="en-US" smtClean="0"/>
-              <a:t>12/9/2015</a:t>
+              <a:t>12/10/2015</a:t>
             </a:fld>
             <a:endParaRPr lang="en-US"/>
           </a:p>
@@ -1451,7 +1454,7 @@
           <a:p>
             <a:fld id="{8AE1E626-6EB7-4D9A-AD4A-B54D1684CAD1}" type="datetime1">
               <a:rPr lang="en-US" smtClean="0"/>
-              <a:t>12/9/2015</a:t>
+              <a:t>12/10/2015</a:t>
             </a:fld>
             <a:endParaRPr lang="en-US"/>
           </a:p>
@@ -1721,7 +1724,7 @@
           <a:p>
             <a:fld id="{8D20E2CF-D74B-4B51-899A-DCEA821C90C7}" type="datetime1">
               <a:rPr lang="en-US" smtClean="0"/>
-              <a:t>12/9/2015</a:t>
+              <a:t>12/10/2015</a:t>
             </a:fld>
             <a:endParaRPr lang="en-US"/>
           </a:p>
@@ -2036,7 +2039,7 @@
           <a:p>
             <a:fld id="{8D20E2CF-D74B-4B51-899A-DCEA821C90C7}" type="datetime1">
               <a:rPr lang="en-US" smtClean="0"/>
-              <a:t>12/9/2015</a:t>
+              <a:t>12/10/2015</a:t>
             </a:fld>
             <a:endParaRPr lang="en-US"/>
           </a:p>
@@ -2378,7 +2381,7 @@
           <a:p>
             <a:fld id="{8D20E2CF-D74B-4B51-899A-DCEA821C90C7}" type="datetime1">
               <a:rPr lang="en-US" smtClean="0"/>
-              <a:t>12/9/2015</a:t>
+              <a:t>12/10/2015</a:t>
             </a:fld>
             <a:endParaRPr lang="en-US"/>
           </a:p>
@@ -2693,7 +2696,7 @@
           <a:p>
             <a:fld id="{8D20E2CF-D74B-4B51-899A-DCEA821C90C7}" type="datetime1">
               <a:rPr lang="en-US" smtClean="0"/>
-              <a:t>12/9/2015</a:t>
+              <a:t>12/10/2015</a:t>
             </a:fld>
             <a:endParaRPr lang="en-US"/>
           </a:p>
@@ -3087,7 +3090,7 @@
           <a:p>
             <a:fld id="{8D20E2CF-D74B-4B51-899A-DCEA821C90C7}" type="datetime1">
               <a:rPr lang="en-US" smtClean="0"/>
-              <a:t>12/9/2015</a:t>
+              <a:t>12/10/2015</a:t>
             </a:fld>
             <a:endParaRPr lang="en-US"/>
           </a:p>
@@ -3258,7 +3261,7 @@
           <a:p>
             <a:fld id="{59932EDF-E99E-4C68-AFCB-7A835B309D6D}" type="datetime1">
               <a:rPr lang="en-US" smtClean="0"/>
-              <a:t>12/9/2015</a:t>
+              <a:t>12/10/2015</a:t>
             </a:fld>
             <a:endParaRPr lang="en-US"/>
           </a:p>
@@ -3457,7 +3460,7 @@
           <a:p>
             <a:fld id="{5F82D85F-A551-4C69-800A-8CFFA2306A88}" type="datetime1">
               <a:rPr lang="en-US" smtClean="0"/>
-              <a:t>12/9/2015</a:t>
+              <a:t>12/10/2015</a:t>
             </a:fld>
             <a:endParaRPr lang="en-US"/>
           </a:p>
@@ -3652,7 +3655,7 @@
           <a:p>
             <a:fld id="{3BD24A36-10EA-4DE5-9251-C62AA44714D2}" type="datetime1">
               <a:rPr lang="en-US" smtClean="0"/>
-              <a:t>12/9/2015</a:t>
+              <a:t>12/10/2015</a:t>
             </a:fld>
             <a:endParaRPr lang="en-US"/>
           </a:p>
@@ -3918,7 +3921,7 @@
           <a:p>
             <a:fld id="{45E95A85-13CC-45EA-B1A6-5B8E77AB646B}" type="datetime1">
               <a:rPr lang="en-US" smtClean="0"/>
-              <a:t>12/9/2015</a:t>
+              <a:t>12/10/2015</a:t>
             </a:fld>
             <a:endParaRPr lang="en-US"/>
           </a:p>
@@ -4169,7 +4172,7 @@
           <a:p>
             <a:fld id="{34B71815-F531-4787-BA2A-626422C133AD}" type="datetime1">
               <a:rPr lang="en-US" smtClean="0"/>
-              <a:t>12/9/2015</a:t>
+              <a:t>12/10/2015</a:t>
             </a:fld>
             <a:endParaRPr lang="en-US"/>
           </a:p>
@@ -4562,7 +4565,7 @@
           <a:p>
             <a:fld id="{56C4885B-3C5C-43BB-9862-47948E5DF551}" type="datetime1">
               <a:rPr lang="en-US" smtClean="0"/>
-              <a:t>12/9/2015</a:t>
+              <a:t>12/10/2015</a:t>
             </a:fld>
             <a:endParaRPr lang="en-US"/>
           </a:p>
@@ -4704,7 +4707,7 @@
           <a:p>
             <a:fld id="{9703B6AF-AB61-4D8E-B7B7-705C5ACEBBCC}" type="datetime1">
               <a:rPr lang="en-US" smtClean="0"/>
-              <a:t>12/9/2015</a:t>
+              <a:t>12/10/2015</a:t>
             </a:fld>
             <a:endParaRPr lang="en-US"/>
           </a:p>
@@ -4818,7 +4821,7 @@
           <a:p>
             <a:fld id="{59B3EC9A-B094-4092-8061-75D86CB34931}" type="datetime1">
               <a:rPr lang="en-US" smtClean="0"/>
-              <a:t>12/9/2015</a:t>
+              <a:t>12/10/2015</a:t>
             </a:fld>
             <a:endParaRPr lang="en-US"/>
           </a:p>
@@ -5092,7 +5095,7 @@
           <a:p>
             <a:fld id="{64E1AEED-2323-4359-853E-316DF6600362}" type="datetime1">
               <a:rPr lang="en-US" smtClean="0"/>
-              <a:t>12/9/2015</a:t>
+              <a:t>12/10/2015</a:t>
             </a:fld>
             <a:endParaRPr lang="en-US"/>
           </a:p>
@@ -5374,7 +5377,7 @@
           <a:p>
             <a:fld id="{333AC2DF-F1FD-4724-A563-92BADFC82ECC}" type="datetime1">
               <a:rPr lang="en-US" smtClean="0"/>
-              <a:t>12/9/2015</a:t>
+              <a:t>12/10/2015</a:t>
             </a:fld>
             <a:endParaRPr lang="en-US"/>
           </a:p>
@@ -6136,7 +6139,7 @@
           <a:p>
             <a:fld id="{8D20E2CF-D74B-4B51-899A-DCEA821C90C7}" type="datetime1">
               <a:rPr lang="en-US" smtClean="0"/>
-              <a:t>12/9/2015</a:t>
+              <a:t>12/10/2015</a:t>
             </a:fld>
             <a:endParaRPr lang="en-US"/>
           </a:p>
@@ -6779,6 +6782,397 @@
 </file>
 
 <file path=ppt/slides/slide10.xml><?xml version="1.0" encoding="utf-8"?>
+<p:sld xmlns:a="http://schemas.openxmlformats.org/drawingml/2006/main" xmlns:r="http://schemas.openxmlformats.org/officeDocument/2006/relationships" xmlns:p="http://schemas.openxmlformats.org/presentationml/2006/main">
+  <p:cSld>
+    <p:spTree>
+      <p:nvGrpSpPr>
+        <p:cNvPr id="1" name=""/>
+        <p:cNvGrpSpPr/>
+        <p:nvPr/>
+      </p:nvGrpSpPr>
+      <p:grpSpPr>
+        <a:xfrm>
+          <a:off x="0" y="0"/>
+          <a:ext cx="0" cy="0"/>
+          <a:chOff x="0" y="0"/>
+          <a:chExt cx="0" cy="0"/>
+        </a:xfrm>
+      </p:grpSpPr>
+      <p:sp>
+        <p:nvSpPr>
+          <p:cNvPr id="4" name="Title 3"/>
+          <p:cNvSpPr>
+            <a:spLocks noGrp="1"/>
+          </p:cNvSpPr>
+          <p:nvPr>
+            <p:ph type="title"/>
+          </p:nvPr>
+        </p:nvSpPr>
+        <p:spPr/>
+        <p:txBody>
+          <a:bodyPr/>
+          <a:lstStyle/>
+          <a:p>
+            <a:pPr algn="ctr"/>
+            <a:r>
+              <a:rPr lang="en-US" b="1" dirty="0" smtClean="0">
+                <a:solidFill>
+                  <a:srgbClr val="00B050"/>
+                </a:solidFill>
+              </a:rPr>
+              <a:t>Application Screenshots	</a:t>
+            </a:r>
+            <a:endParaRPr lang="en-US" b="1" dirty="0">
+              <a:solidFill>
+                <a:srgbClr val="00B050"/>
+              </a:solidFill>
+            </a:endParaRPr>
+          </a:p>
+        </p:txBody>
+      </p:sp>
+      <p:pic>
+        <p:nvPicPr>
+          <p:cNvPr id="7" name="Picture Placeholder 6"/>
+          <p:cNvPicPr>
+            <a:picLocks noGrp="1" noChangeAspect="1"/>
+          </p:cNvPicPr>
+          <p:nvPr>
+            <p:ph type="pic" idx="1"/>
+          </p:nvPr>
+        </p:nvPicPr>
+        <p:blipFill>
+          <a:blip r:embed="rId2">
+            <a:extLst>
+              <a:ext uri="{28A0092B-C50C-407E-A947-70E740481C1C}">
+                <a14:useLocalDpi xmlns:a14="http://schemas.microsoft.com/office/drawing/2010/main" val="0"/>
+              </a:ext>
+            </a:extLst>
+          </a:blip>
+          <a:srcRect t="10223" b="10223"/>
+          <a:stretch>
+            <a:fillRect/>
+          </a:stretch>
+        </p:blipFill>
+        <p:spPr/>
+      </p:pic>
+      <p:sp>
+        <p:nvSpPr>
+          <p:cNvPr id="6" name="Text Placeholder 5"/>
+          <p:cNvSpPr>
+            <a:spLocks noGrp="1"/>
+          </p:cNvSpPr>
+          <p:nvPr>
+            <p:ph type="body" sz="half" idx="2"/>
+          </p:nvPr>
+        </p:nvSpPr>
+        <p:spPr/>
+        <p:txBody>
+          <a:bodyPr>
+            <a:normAutofit/>
+          </a:bodyPr>
+          <a:lstStyle/>
+          <a:p>
+            <a:pPr algn="ctr"/>
+            <a:r>
+              <a:rPr lang="en-US" sz="1800" dirty="0" smtClean="0">
+                <a:solidFill>
+                  <a:srgbClr val="00B050"/>
+                </a:solidFill>
+              </a:rPr>
+              <a:t>Medical Error Category Chart</a:t>
+            </a:r>
+            <a:endParaRPr lang="en-US" sz="1800" dirty="0">
+              <a:solidFill>
+                <a:srgbClr val="00B050"/>
+              </a:solidFill>
+            </a:endParaRPr>
+          </a:p>
+        </p:txBody>
+      </p:sp>
+    </p:spTree>
+    <p:extLst>
+      <p:ext uri="{BB962C8B-B14F-4D97-AF65-F5344CB8AC3E}">
+        <p14:creationId xmlns:p14="http://schemas.microsoft.com/office/powerpoint/2010/main" val="1561295239"/>
+      </p:ext>
+    </p:extLst>
+  </p:cSld>
+  <p:clrMapOvr>
+    <a:masterClrMapping/>
+  </p:clrMapOvr>
+  <mc:AlternateContent xmlns:mc="http://schemas.openxmlformats.org/markup-compatibility/2006">
+    <mc:Choice xmlns:p14="http://schemas.microsoft.com/office/powerpoint/2010/main" Requires="p14">
+      <p:transition spd="med" p14:dur="700">
+        <p:fade/>
+      </p:transition>
+    </mc:Choice>
+    <mc:Fallback>
+      <p:transition spd="med">
+        <p:fade/>
+      </p:transition>
+    </mc:Fallback>
+  </mc:AlternateContent>
+</p:sld>
+</file>
+
+<file path=ppt/slides/slide11.xml><?xml version="1.0" encoding="utf-8"?>
+<p:sld xmlns:a="http://schemas.openxmlformats.org/drawingml/2006/main" xmlns:r="http://schemas.openxmlformats.org/officeDocument/2006/relationships" xmlns:p="http://schemas.openxmlformats.org/presentationml/2006/main">
+  <p:cSld>
+    <p:spTree>
+      <p:nvGrpSpPr>
+        <p:cNvPr id="1" name=""/>
+        <p:cNvGrpSpPr/>
+        <p:nvPr/>
+      </p:nvGrpSpPr>
+      <p:grpSpPr>
+        <a:xfrm>
+          <a:off x="0" y="0"/>
+          <a:ext cx="0" cy="0"/>
+          <a:chOff x="0" y="0"/>
+          <a:chExt cx="0" cy="0"/>
+        </a:xfrm>
+      </p:grpSpPr>
+      <p:sp>
+        <p:nvSpPr>
+          <p:cNvPr id="2" name="Title 1"/>
+          <p:cNvSpPr>
+            <a:spLocks noGrp="1"/>
+          </p:cNvSpPr>
+          <p:nvPr>
+            <p:ph type="title"/>
+          </p:nvPr>
+        </p:nvSpPr>
+        <p:spPr>
+          <a:xfrm>
+            <a:off x="896275" y="4627959"/>
+            <a:ext cx="8596667" cy="566738"/>
+          </a:xfrm>
+        </p:spPr>
+        <p:txBody>
+          <a:bodyPr/>
+          <a:lstStyle/>
+          <a:p>
+            <a:pPr algn="ctr"/>
+            <a:r>
+              <a:rPr lang="en-US" dirty="0" smtClean="0">
+                <a:solidFill>
+                  <a:srgbClr val="00B050"/>
+                </a:solidFill>
+              </a:rPr>
+              <a:t>Network Structure</a:t>
+            </a:r>
+            <a:endParaRPr lang="en-US" dirty="0">
+              <a:solidFill>
+                <a:srgbClr val="00B050"/>
+              </a:solidFill>
+            </a:endParaRPr>
+          </a:p>
+        </p:txBody>
+      </p:sp>
+      <p:pic>
+        <p:nvPicPr>
+          <p:cNvPr id="5" name="Picture Placeholder 4"/>
+          <p:cNvPicPr>
+            <a:picLocks noGrp="1" noChangeAspect="1"/>
+          </p:cNvPicPr>
+          <p:nvPr>
+            <p:ph type="pic" idx="1"/>
+          </p:nvPr>
+        </p:nvPicPr>
+        <p:blipFill>
+          <a:blip r:embed="rId2">
+            <a:extLst>
+              <a:ext uri="{28A0092B-C50C-407E-A947-70E740481C1C}">
+                <a14:useLocalDpi xmlns:a14="http://schemas.microsoft.com/office/drawing/2010/main" val="0"/>
+              </a:ext>
+            </a:extLst>
+          </a:blip>
+          <a:srcRect t="10223" b="10223"/>
+          <a:stretch>
+            <a:fillRect/>
+          </a:stretch>
+        </p:blipFill>
+        <p:spPr/>
+      </p:pic>
+      <p:sp>
+        <p:nvSpPr>
+          <p:cNvPr id="4" name="Text Placeholder 3"/>
+          <p:cNvSpPr>
+            <a:spLocks noGrp="1"/>
+          </p:cNvSpPr>
+          <p:nvPr>
+            <p:ph type="body" sz="half" idx="2"/>
+          </p:nvPr>
+        </p:nvSpPr>
+        <p:spPr/>
+        <p:txBody>
+          <a:bodyPr>
+            <a:normAutofit/>
+          </a:bodyPr>
+          <a:lstStyle/>
+          <a:p>
+            <a:pPr algn="ctr"/>
+            <a:r>
+              <a:rPr lang="en-US" sz="1600" b="1" dirty="0" smtClean="0">
+                <a:solidFill>
+                  <a:srgbClr val="00B050"/>
+                </a:solidFill>
+              </a:rPr>
+              <a:t>Highlights the Ecosystem Model</a:t>
+            </a:r>
+            <a:endParaRPr lang="en-US" sz="1600" b="1" dirty="0">
+              <a:solidFill>
+                <a:srgbClr val="00B050"/>
+              </a:solidFill>
+            </a:endParaRPr>
+          </a:p>
+        </p:txBody>
+      </p:sp>
+    </p:spTree>
+    <p:extLst>
+      <p:ext uri="{BB962C8B-B14F-4D97-AF65-F5344CB8AC3E}">
+        <p14:creationId xmlns:p14="http://schemas.microsoft.com/office/powerpoint/2010/main" val="1667407165"/>
+      </p:ext>
+    </p:extLst>
+  </p:cSld>
+  <p:clrMapOvr>
+    <a:masterClrMapping/>
+  </p:clrMapOvr>
+  <mc:AlternateContent xmlns:mc="http://schemas.openxmlformats.org/markup-compatibility/2006">
+    <mc:Choice xmlns:p14="http://schemas.microsoft.com/office/powerpoint/2010/main" Requires="p14">
+      <p:transition spd="med" p14:dur="700">
+        <p:fade/>
+      </p:transition>
+    </mc:Choice>
+    <mc:Fallback>
+      <p:transition spd="med">
+        <p:fade/>
+      </p:transition>
+    </mc:Fallback>
+  </mc:AlternateContent>
+</p:sld>
+</file>
+
+<file path=ppt/slides/slide12.xml><?xml version="1.0" encoding="utf-8"?>
+<p:sld xmlns:a="http://schemas.openxmlformats.org/drawingml/2006/main" xmlns:r="http://schemas.openxmlformats.org/officeDocument/2006/relationships" xmlns:p="http://schemas.openxmlformats.org/presentationml/2006/main">
+  <p:cSld>
+    <p:spTree>
+      <p:nvGrpSpPr>
+        <p:cNvPr id="1" name=""/>
+        <p:cNvGrpSpPr/>
+        <p:nvPr/>
+      </p:nvGrpSpPr>
+      <p:grpSpPr>
+        <a:xfrm>
+          <a:off x="0" y="0"/>
+          <a:ext cx="0" cy="0"/>
+          <a:chOff x="0" y="0"/>
+          <a:chExt cx="0" cy="0"/>
+        </a:xfrm>
+      </p:grpSpPr>
+      <p:sp>
+        <p:nvSpPr>
+          <p:cNvPr id="2" name="Title 1"/>
+          <p:cNvSpPr>
+            <a:spLocks noGrp="1"/>
+          </p:cNvSpPr>
+          <p:nvPr>
+            <p:ph type="title"/>
+          </p:nvPr>
+        </p:nvSpPr>
+        <p:spPr/>
+        <p:txBody>
+          <a:bodyPr>
+            <a:normAutofit/>
+          </a:bodyPr>
+          <a:lstStyle/>
+          <a:p>
+            <a:pPr algn="ctr"/>
+            <a:r>
+              <a:rPr lang="en-US" dirty="0" smtClean="0">
+                <a:solidFill>
+                  <a:srgbClr val="00B050"/>
+                </a:solidFill>
+              </a:rPr>
+              <a:t>Reporting of Incident	</a:t>
+            </a:r>
+            <a:endParaRPr lang="en-US" dirty="0">
+              <a:solidFill>
+                <a:srgbClr val="00B050"/>
+              </a:solidFill>
+            </a:endParaRPr>
+          </a:p>
+        </p:txBody>
+      </p:sp>
+      <p:pic>
+        <p:nvPicPr>
+          <p:cNvPr id="5" name="Picture Placeholder 4"/>
+          <p:cNvPicPr>
+            <a:picLocks noGrp="1" noChangeAspect="1"/>
+          </p:cNvPicPr>
+          <p:nvPr>
+            <p:ph type="pic" idx="1"/>
+          </p:nvPr>
+        </p:nvPicPr>
+        <p:blipFill>
+          <a:blip r:embed="rId2">
+            <a:extLst>
+              <a:ext uri="{28A0092B-C50C-407E-A947-70E740481C1C}">
+                <a14:useLocalDpi xmlns:a14="http://schemas.microsoft.com/office/drawing/2010/main" val="0"/>
+              </a:ext>
+            </a:extLst>
+          </a:blip>
+          <a:srcRect t="10223" b="10223"/>
+          <a:stretch>
+            <a:fillRect/>
+          </a:stretch>
+        </p:blipFill>
+        <p:spPr/>
+      </p:pic>
+      <p:sp>
+        <p:nvSpPr>
+          <p:cNvPr id="4" name="Text Placeholder 3"/>
+          <p:cNvSpPr>
+            <a:spLocks noGrp="1"/>
+          </p:cNvSpPr>
+          <p:nvPr>
+            <p:ph type="body" sz="half" idx="2"/>
+          </p:nvPr>
+        </p:nvSpPr>
+        <p:spPr/>
+        <p:txBody>
+          <a:bodyPr/>
+          <a:lstStyle/>
+          <a:p>
+            <a:endParaRPr lang="en-US" dirty="0"/>
+          </a:p>
+        </p:txBody>
+      </p:sp>
+    </p:spTree>
+    <p:extLst>
+      <p:ext uri="{BB962C8B-B14F-4D97-AF65-F5344CB8AC3E}">
+        <p14:creationId xmlns:p14="http://schemas.microsoft.com/office/powerpoint/2010/main" val="1786878316"/>
+      </p:ext>
+    </p:extLst>
+  </p:cSld>
+  <p:clrMapOvr>
+    <a:masterClrMapping/>
+  </p:clrMapOvr>
+  <mc:AlternateContent xmlns:mc="http://schemas.openxmlformats.org/markup-compatibility/2006">
+    <mc:Choice xmlns:p14="http://schemas.microsoft.com/office/powerpoint/2010/main" Requires="p14">
+      <p:transition spd="med" p14:dur="700">
+        <p:fade/>
+      </p:transition>
+    </mc:Choice>
+    <mc:Fallback>
+      <p:transition spd="med">
+        <p:fade/>
+      </p:transition>
+    </mc:Fallback>
+  </mc:AlternateContent>
+</p:sld>
+</file>
+
+<file path=ppt/slides/slide13.xml><?xml version="1.0" encoding="utf-8"?>
 <p:sld xmlns:a="http://schemas.openxmlformats.org/drawingml/2006/main" xmlns:r="http://schemas.openxmlformats.org/officeDocument/2006/relationships" xmlns:p="http://schemas.openxmlformats.org/presentationml/2006/main">
   <p:cSld>
     <p:spTree>
